--- a/CMap_AECOM.pptx
+++ b/CMap_AECOM.pptx
@@ -113,14 +113,6 @@
     </p:ext>
   </p:extLst>
 </p:presentation>
-</file>
-
-<file path=ppt/revisionInfo.xml><?xml version="1.0" encoding="utf-8"?>
-<p1510:revInfo xmlns:a="http://schemas.openxmlformats.org/drawingml/2006/main" xmlns:r="http://schemas.openxmlformats.org/officeDocument/2006/relationships" xmlns:p1510="http://schemas.microsoft.com/office/powerpoint/2015/10/main">
-  <p1510:revLst>
-    <p1510:client id="{9655B6FD-A480-4496-BCB4-9015F2C44ACB}" v="2" dt="2023-12-15T03:07:20.734"/>
-  </p1510:revLst>
-</p1510:revInfo>
 </file>
 
 <file path=ppt/notesMasters/notesMaster1.xml><?xml version="1.0" encoding="utf-8"?>
@@ -31323,6 +31315,42 @@
           </a:p>
         </p:txBody>
       </p:sp>
+      <p:pic>
+        <p:nvPicPr>
+          <p:cNvPr id="19" name="Graphic 18">
+            <a:extLst>
+              <a:ext uri="{FF2B5EF4-FFF2-40B4-BE49-F238E27FC236}">
+                <a16:creationId xmlns:a16="http://schemas.microsoft.com/office/drawing/2014/main" id="{AD1919F3-6DC8-87DE-A381-8123146BB061}"/>
+              </a:ext>
+            </a:extLst>
+          </p:cNvPr>
+          <p:cNvPicPr>
+            <a:picLocks noChangeAspect="1"/>
+          </p:cNvPicPr>
+          <p:nvPr/>
+        </p:nvPicPr>
+        <p:blipFill>
+          <a:blip r:embed="rId5">
+            <a:extLst>
+              <a:ext uri="{96DAC541-7B7A-43D3-8B79-37D633B846F1}">
+                <asvg:svgBlip xmlns:asvg="http://schemas.microsoft.com/office/drawing/2016/SVG/main" r:embed="rId6"/>
+              </a:ext>
+            </a:extLst>
+          </a:blip>
+          <a:stretch>
+            <a:fillRect/>
+          </a:stretch>
+        </p:blipFill>
+        <p:spPr>
+          <a:xfrm>
+            <a:off x="828612" y="2364763"/>
+            <a:ext cx="11231092" cy="2124803"/>
+          </a:xfrm>
+          <a:prstGeom prst="rect">
+            <a:avLst/>
+          </a:prstGeom>
+        </p:spPr>
+      </p:pic>
     </p:spTree>
     <p:extLst>
       <p:ext uri="{BB962C8B-B14F-4D97-AF65-F5344CB8AC3E}">
